--- a/JLPT/JLPT-進捗報告.pptx
+++ b/JLPT/JLPT-進捗報告.pptx
@@ -7864,7 +7864,7 @@
             <a:tbl>
               <a:tblPr>
                 <a:noFill/>
-                <a:tableStyleId>{B0E63700-FE0C-4810-B319-65EF6945B63F}</a:tableStyleId>
+                <a:tableStyleId>{8359FBA4-1CAC-47CC-88B7-0723BFA15DEA}</a:tableStyleId>
               </a:tblPr>
               <a:tblGrid>
                 <a:gridCol w="2088775"/>
@@ -8754,7 +8754,7 @@
             <a:tbl>
               <a:tblPr>
                 <a:noFill/>
-                <a:tableStyleId>{B0E63700-FE0C-4810-B319-65EF6945B63F}</a:tableStyleId>
+                <a:tableStyleId>{8359FBA4-1CAC-47CC-88B7-0723BFA15DEA}</a:tableStyleId>
               </a:tblPr>
               <a:tblGrid>
                 <a:gridCol w="2088775"/>
@@ -9639,7 +9639,7 @@
             <a:tbl>
               <a:tblPr>
                 <a:noFill/>
-                <a:tableStyleId>{B0E63700-FE0C-4810-B319-65EF6945B63F}</a:tableStyleId>
+                <a:tableStyleId>{8359FBA4-1CAC-47CC-88B7-0723BFA15DEA}</a:tableStyleId>
               </a:tblPr>
               <a:tblGrid>
                 <a:gridCol w="2088775"/>
@@ -10524,7 +10524,7 @@
             <a:tbl>
               <a:tblPr>
                 <a:noFill/>
-                <a:tableStyleId>{B0E63700-FE0C-4810-B319-65EF6945B63F}</a:tableStyleId>
+                <a:tableStyleId>{8359FBA4-1CAC-47CC-88B7-0723BFA15DEA}</a:tableStyleId>
               </a:tblPr>
               <a:tblGrid>
                 <a:gridCol w="2088775"/>
